--- a/PRD21/迭代模型与RUP介绍.pptx
+++ b/PRD21/迭代模型与RUP介绍.pptx
@@ -241,7 +241,7 @@
                 <a:latin typeface="+mj-ea"/>
                 <a:ea typeface="+mj-ea"/>
               </a:rPr>
-              <a:t>2017/10/11</a:t>
+              <a:t>2017/10/13</a:t>
             </a:fld>
             <a:endParaRPr lang="zh-CN" altLang="en-US" dirty="0">
               <a:latin typeface="+mj-ea"/>
@@ -427,7 +427,7 @@
           <a:p>
             <a:fld id="{8DF9B502-F65B-48A3-85DE-02CBD8F1B81F}" type="datetime1">
               <a:rPr lang="zh-CN" altLang="en-US" smtClean="0"/>
-              <a:t>2017/10/11</a:t>
+              <a:t>2017/10/13</a:t>
             </a:fld>
             <a:endParaRPr lang="zh-CN" altLang="en-US" dirty="0"/>
           </a:p>
@@ -3351,7 +3351,7 @@
             <a:pPr rtl="0"/>
             <a:fld id="{3E21265D-E342-4470-A820-1411E8B56718}" type="datetime1">
               <a:rPr lang="zh-CN" altLang="en-US" smtClean="0"/>
-              <a:t>2017/10/11</a:t>
+              <a:t>2017/10/13</a:t>
             </a:fld>
             <a:endParaRPr lang="zh-CN" altLang="en-US" dirty="0"/>
           </a:p>
@@ -3551,7 +3551,7 @@
             <a:pPr rtl="0"/>
             <a:fld id="{85969C1B-D553-4991-AB6D-5C947D604115}" type="datetime1">
               <a:rPr lang="zh-CN" altLang="en-US" smtClean="0"/>
-              <a:t>2017/10/11</a:t>
+              <a:t>2017/10/13</a:t>
             </a:fld>
             <a:endParaRPr lang="zh-CN" altLang="en-US" dirty="0"/>
           </a:p>
@@ -3737,7 +3737,7 @@
             <a:pPr rtl="0"/>
             <a:fld id="{B7FD89CB-B23D-47D8-AEE9-766756025DD9}" type="datetime1">
               <a:rPr lang="zh-CN" altLang="en-US" smtClean="0"/>
-              <a:t>2017/10/11</a:t>
+              <a:t>2017/10/13</a:t>
             </a:fld>
             <a:endParaRPr lang="zh-CN" altLang="en-US" dirty="0"/>
           </a:p>
@@ -4270,7 +4270,7 @@
             <a:pPr rtl="0"/>
             <a:fld id="{4A6CBE58-2D55-470C-BEBD-4302E0D26D19}" type="datetime1">
               <a:rPr lang="zh-CN" altLang="en-US" smtClean="0"/>
-              <a:t>2017/10/11</a:t>
+              <a:t>2017/10/13</a:t>
             </a:fld>
             <a:endParaRPr lang="zh-CN" altLang="en-US" dirty="0"/>
           </a:p>
@@ -4718,7 +4718,7 @@
             <a:pPr rtl="0"/>
             <a:fld id="{D2FBEE8E-C100-4E54-AF9E-1D814C04F062}" type="datetime1">
               <a:rPr lang="zh-CN" altLang="en-US" smtClean="0"/>
-              <a:t>2017/10/11</a:t>
+              <a:t>2017/10/13</a:t>
             </a:fld>
             <a:endParaRPr lang="zh-CN" altLang="en-US" dirty="0"/>
           </a:p>
@@ -4852,7 +4852,7 @@
             <a:pPr rtl="0"/>
             <a:fld id="{D4B891CB-2527-4E08-809C-D6DFCC64E4BF}" type="datetime1">
               <a:rPr lang="zh-CN" altLang="en-US" smtClean="0"/>
-              <a:t>2017/10/11</a:t>
+              <a:t>2017/10/13</a:t>
             </a:fld>
             <a:endParaRPr lang="zh-CN" altLang="en-US" dirty="0"/>
           </a:p>
@@ -4962,7 +4962,7 @@
             <a:pPr rtl="0"/>
             <a:fld id="{4AC819B5-7D2A-4DD2-8E94-DF9D4B191F76}" type="datetime1">
               <a:rPr lang="zh-CN" altLang="en-US" smtClean="0"/>
-              <a:t>2017/10/11</a:t>
+              <a:t>2017/10/13</a:t>
             </a:fld>
             <a:endParaRPr lang="zh-CN" altLang="en-US" dirty="0"/>
           </a:p>
@@ -5262,7 +5262,7 @@
             <a:pPr rtl="0"/>
             <a:fld id="{082EFE9A-094F-4A77-AF6D-076EAD3A6487}" type="datetime1">
               <a:rPr lang="zh-CN" altLang="en-US" smtClean="0"/>
-              <a:t>2017/10/11</a:t>
+              <a:t>2017/10/13</a:t>
             </a:fld>
             <a:endParaRPr lang="zh-CN" altLang="en-US" dirty="0"/>
           </a:p>
@@ -5541,7 +5541,7 @@
             <a:pPr rtl="0"/>
             <a:fld id="{9D6AA2B9-2619-4DEE-B4D5-A95F33EEC147}" type="datetime1">
               <a:rPr lang="zh-CN" altLang="en-US" smtClean="0"/>
-              <a:t>2017/10/11</a:t>
+              <a:t>2017/10/13</a:t>
             </a:fld>
             <a:endParaRPr lang="zh-CN" altLang="en-US" dirty="0"/>
           </a:p>
@@ -5841,7 +5841,7 @@
           <a:p>
             <a:fld id="{09DFFC8E-5488-4F0C-91CD-66A2741BB815}" type="datetime1">
               <a:rPr lang="zh-CN" altLang="en-US" smtClean="0"/>
-              <a:t>2017/10/11</a:t>
+              <a:t>2017/10/13</a:t>
             </a:fld>
             <a:endParaRPr lang="zh-CN" altLang="en-US" dirty="0"/>
           </a:p>
@@ -13448,8 +13448,13 @@
             </a:r>
             <a:r>
               <a:rPr lang="zh-CN" altLang="en-US" dirty="0"/>
-              <a:t>5、使用面向对象的语言或统一建模语言（Unified Modeling Language，UML）。</a:t>
-            </a:r>
+              <a:t>5、使用面向对象的语言或统一</a:t>
+            </a:r>
+            <a:r>
+              <a:rPr lang="zh-CN" altLang="en-US"/>
+              <a:t>建模语言。</a:t>
+            </a:r>
+            <a:endParaRPr lang="zh-CN" altLang="en-US" dirty="0"/>
           </a:p>
           <a:p>
             <a:r>

--- a/PRD21/迭代模型与RUP介绍.pptx
+++ b/PRD21/迭代模型与RUP介绍.pptx
@@ -13452,7 +13452,7 @@
             </a:r>
             <a:r>
               <a:rPr lang="zh-CN" altLang="en-US"/>
-              <a:t>建模语言。</a:t>
+              <a:t>建模语言（Unified Modeling Language，UML）。</a:t>
             </a:r>
             <a:endParaRPr lang="zh-CN" altLang="en-US" dirty="0"/>
           </a:p>
